--- a/Анализ проекта.pptx
+++ b/Анализ проекта.pptx
@@ -10089,13 +10089,19 @@
       </p:sp>
       <p:pic>
         <p:nvPicPr>
-          <p:cNvPr id="173" name="Google Shape;173;p25"/>
-          <p:cNvPicPr preferRelativeResize="0"/>
+          <p:cNvPr id="2" name="Рисунок 1"/>
+          <p:cNvPicPr>
+            <a:picLocks noChangeAspect="1"/>
+          </p:cNvPicPr>
           <p:nvPr/>
         </p:nvPicPr>
         <p:blipFill>
           <a:blip r:embed="rId3">
-            <a:alphaModFix/>
+            <a:extLst>
+              <a:ext uri="{28A0092B-C50C-407E-A947-70E740481C1C}">
+                <a14:useLocalDpi xmlns:a14="http://schemas.microsoft.com/office/drawing/2010/main" val="0"/>
+              </a:ext>
+            </a:extLst>
           </a:blip>
           <a:stretch>
             <a:fillRect/>
@@ -10103,27 +10109,29 @@
         </p:blipFill>
         <p:spPr>
           <a:xfrm>
-            <a:off x="311700" y="1625150"/>
-            <a:ext cx="4114800" cy="2743200"/>
+            <a:off x="111512" y="1679470"/>
+            <a:ext cx="4334107" cy="2889405"/>
           </a:xfrm>
           <a:prstGeom prst="rect">
             <a:avLst/>
           </a:prstGeom>
-          <a:noFill/>
-          <a:ln>
-            <a:noFill/>
-          </a:ln>
         </p:spPr>
       </p:pic>
       <p:pic>
         <p:nvPicPr>
-          <p:cNvPr id="174" name="Google Shape;174;p25"/>
-          <p:cNvPicPr preferRelativeResize="0"/>
+          <p:cNvPr id="3" name="Рисунок 2"/>
+          <p:cNvPicPr>
+            <a:picLocks noChangeAspect="1"/>
+          </p:cNvPicPr>
           <p:nvPr/>
         </p:nvPicPr>
         <p:blipFill>
           <a:blip r:embed="rId4">
-            <a:alphaModFix/>
+            <a:extLst>
+              <a:ext uri="{28A0092B-C50C-407E-A947-70E740481C1C}">
+                <a14:useLocalDpi xmlns:a14="http://schemas.microsoft.com/office/drawing/2010/main" val="0"/>
+              </a:ext>
+            </a:extLst>
           </a:blip>
           <a:stretch>
             <a:fillRect/>
@@ -10131,16 +10139,12 @@
         </p:blipFill>
         <p:spPr>
           <a:xfrm>
-            <a:off x="4236225" y="1625150"/>
-            <a:ext cx="4114800" cy="2743200"/>
+            <a:off x="4445619" y="1679470"/>
+            <a:ext cx="4453764" cy="2969176"/>
           </a:xfrm>
           <a:prstGeom prst="rect">
             <a:avLst/>
           </a:prstGeom>
-          <a:noFill/>
-          <a:ln>
-            <a:noFill/>
-          </a:ln>
         </p:spPr>
       </p:pic>
     </p:spTree>

--- a/Анализ проекта.pptx
+++ b/Анализ проекта.pptx
@@ -8902,10 +8902,13 @@
               <a:buNone/>
             </a:pPr>
             <a:r>
-              <a:rPr lang="ru"/>
-              <a:t>Каменская Елизавета</a:t>
+              <a:rPr lang="ru" dirty="0"/>
+              <a:t>Каменская </a:t>
             </a:r>
-            <a:endParaRPr/>
+            <a:r>
+              <a:rPr lang="ru" dirty="0" smtClean="0"/>
+              <a:t>Елизавета</a:t>
+            </a:r>
           </a:p>
           <a:p>
             <a:pPr marL="0" lvl="0" indent="0" algn="l" rtl="0">
@@ -8918,10 +8921,10 @@
               <a:buNone/>
             </a:pPr>
             <a:r>
-              <a:rPr lang="ru"/>
-              <a:t>Каневский Даниил</a:t>
+              <a:rPr lang="ru" dirty="0" smtClean="0"/>
+              <a:t>Новикова Валентина</a:t>
             </a:r>
-            <a:endParaRPr/>
+            <a:endParaRPr dirty="0"/>
           </a:p>
           <a:p>
             <a:pPr marL="0" lvl="0" indent="0" algn="l" rtl="0">
@@ -8933,11 +8936,7 @@
               </a:spcAft>
               <a:buNone/>
             </a:pPr>
-            <a:r>
-              <a:rPr lang="ru"/>
-              <a:t>Каменская Елизавета</a:t>
-            </a:r>
-            <a:endParaRPr/>
+            <a:endParaRPr dirty="0"/>
           </a:p>
           <a:p>
             <a:pPr marL="0" lvl="0" indent="0" algn="l" rtl="0">
@@ -8949,7 +8948,11 @@
               </a:spcAft>
               <a:buNone/>
             </a:pPr>
-            <a:endParaRPr/>
+            <a:r>
+              <a:rPr lang="ru" dirty="0"/>
+              <a:t>СП-20</a:t>
+            </a:r>
+            <a:endParaRPr dirty="0"/>
           </a:p>
           <a:p>
             <a:pPr marL="0" lvl="0" indent="0" algn="l" rtl="0">
@@ -8962,26 +8965,10 @@
               <a:buNone/>
             </a:pPr>
             <a:r>
-              <a:rPr lang="ru"/>
-              <a:t>СП-20</a:t>
-            </a:r>
-            <a:endParaRPr/>
-          </a:p>
-          <a:p>
-            <a:pPr marL="0" lvl="0" indent="0" algn="l" rtl="0">
-              <a:spcBef>
-                <a:spcPts val="0"/>
-              </a:spcBef>
-              <a:spcAft>
-                <a:spcPts val="0"/>
-              </a:spcAft>
-              <a:buNone/>
-            </a:pPr>
-            <a:r>
-              <a:rPr lang="ru"/>
+              <a:rPr lang="ru" dirty="0"/>
               <a:t>РАНХиГС 2022г.</a:t>
             </a:r>
-            <a:endParaRPr/>
+            <a:endParaRPr dirty="0"/>
           </a:p>
         </p:txBody>
       </p:sp>
